--- a/Slides/Module 1 - Introducing Django.pptx
+++ b/Slides/Module 1 - Introducing Django.pptx
@@ -23,8 +23,8 @@
     <p:sldId id="312" r:id="rId14"/>
     <p:sldId id="313" r:id="rId15"/>
     <p:sldId id="315" r:id="rId16"/>
-    <p:sldId id="316" r:id="rId17"/>
-    <p:sldId id="317" r:id="rId18"/>
+    <p:sldId id="317" r:id="rId17"/>
+    <p:sldId id="316" r:id="rId18"/>
     <p:sldId id="318" r:id="rId19"/>
     <p:sldId id="319" r:id="rId20"/>
     <p:sldId id="320" r:id="rId21"/>
@@ -220,7 +220,7 @@
           <a:p>
             <a:fld id="{312E7B4A-039C-48A2-9B2C-AF16AA3873D8}" type="datetimeFigureOut">
               <a:rPr lang="en-US" smtClean="0"/>
-              <a:t>6/16/2015</a:t>
+              <a:t>6/17/2015</a:t>
             </a:fld>
             <a:endParaRPr lang="en-US"/>
           </a:p>
@@ -385,7 +385,7 @@
           <a:p>
             <a:fld id="{DA005A0C-54D9-45AA-87D4-C551D08DFCE1}" type="datetimeFigureOut">
               <a:rPr lang="en-US" smtClean="0"/>
-              <a:t>6/16/2015</a:t>
+              <a:t>6/17/2015</a:t>
             </a:fld>
             <a:endParaRPr lang="en-US"/>
           </a:p>
@@ -4518,14 +4518,6 @@
               </a:rPr>
               <a:t>https://www.djangoproject.com/</a:t>
             </a:r>
-            <a:endParaRPr lang="en-US" sz="2400" dirty="0">
-              <a:solidFill>
-                <a:schemeClr val="bg1"/>
-              </a:solidFill>
-              <a:latin typeface="Segoe UI Light" panose="020B0502040204020203" pitchFamily="34" charset="0"/>
-              <a:ea typeface="Segoe UI Light" panose="020B0502040204020203" pitchFamily="34" charset="0"/>
-              <a:cs typeface="Segoe UI Light" panose="020B0502040204020203" pitchFamily="34" charset="0"/>
-            </a:endParaRPr>
           </a:p>
         </p:txBody>
       </p:sp>
@@ -4742,6 +4734,115 @@
 </file>
 
 <file path=ppt/slides/slide13.xml><?xml version="1.0" encoding="utf-8"?>
+<p:sld xmlns:a="http://schemas.openxmlformats.org/drawingml/2006/main" xmlns:r="http://schemas.openxmlformats.org/officeDocument/2006/relationships" xmlns:p="http://schemas.openxmlformats.org/presentationml/2006/main">
+  <p:cSld>
+    <p:spTree>
+      <p:nvGrpSpPr>
+        <p:cNvPr id="1" name=""/>
+        <p:cNvGrpSpPr/>
+        <p:nvPr/>
+      </p:nvGrpSpPr>
+      <p:grpSpPr>
+        <a:xfrm>
+          <a:off x="0" y="0"/>
+          <a:ext cx="0" cy="0"/>
+          <a:chOff x="0" y="0"/>
+          <a:chExt cx="0" cy="0"/>
+        </a:xfrm>
+      </p:grpSpPr>
+      <p:sp>
+        <p:nvSpPr>
+          <p:cNvPr id="2" name="Title 1"/>
+          <p:cNvSpPr>
+            <a:spLocks noGrp="1"/>
+          </p:cNvSpPr>
+          <p:nvPr>
+            <p:ph type="title"/>
+          </p:nvPr>
+        </p:nvSpPr>
+        <p:spPr/>
+        <p:txBody>
+          <a:bodyPr/>
+          <a:lstStyle/>
+          <a:p>
+            <a:r>
+              <a:rPr lang="en-US" dirty="0" smtClean="0"/>
+              <a:t>Introducing Model, View, Controller (MVC)</a:t>
+            </a:r>
+            <a:endParaRPr lang="en-US" dirty="0"/>
+          </a:p>
+        </p:txBody>
+      </p:sp>
+      <p:sp>
+        <p:nvSpPr>
+          <p:cNvPr id="3" name="Content Placeholder 2"/>
+          <p:cNvSpPr>
+            <a:spLocks noGrp="1"/>
+          </p:cNvSpPr>
+          <p:nvPr>
+            <p:ph sz="quarter" idx="10"/>
+          </p:nvPr>
+        </p:nvSpPr>
+        <p:spPr/>
+        <p:txBody>
+          <a:bodyPr/>
+          <a:lstStyle/>
+          <a:p>
+            <a:r>
+              <a:rPr lang="en-US" dirty="0" smtClean="0"/>
+              <a:t>MVC is a pattern</a:t>
+            </a:r>
+          </a:p>
+          <a:p>
+            <a:r>
+              <a:rPr lang="en-US" dirty="0" smtClean="0"/>
+              <a:t>Three basic parts</a:t>
+            </a:r>
+          </a:p>
+          <a:p>
+            <a:pPr lvl="1"/>
+            <a:r>
+              <a:rPr lang="en-US" dirty="0" smtClean="0"/>
+              <a:t>Model, which is your data</a:t>
+            </a:r>
+          </a:p>
+          <a:p>
+            <a:pPr lvl="1"/>
+            <a:r>
+              <a:rPr lang="en-US" dirty="0" smtClean="0"/>
+              <a:t>View, which is what the user will see</a:t>
+            </a:r>
+          </a:p>
+          <a:p>
+            <a:pPr lvl="1"/>
+            <a:r>
+              <a:rPr lang="en-US" dirty="0" smtClean="0"/>
+              <a:t>Controller, which takes the user request and gets the job done</a:t>
+            </a:r>
+          </a:p>
+        </p:txBody>
+      </p:sp>
+    </p:spTree>
+    <p:extLst>
+      <p:ext uri="{BB962C8B-B14F-4D97-AF65-F5344CB8AC3E}">
+        <p14:creationId xmlns:p14="http://schemas.microsoft.com/office/powerpoint/2010/main" val="4205139475"/>
+      </p:ext>
+    </p:extLst>
+  </p:cSld>
+  <p:clrMapOvr>
+    <a:masterClrMapping/>
+  </p:clrMapOvr>
+  <p:timing>
+    <p:tnLst>
+      <p:par>
+        <p:cTn id="1" dur="indefinite" restart="never" nodeType="tmRoot"/>
+      </p:par>
+    </p:tnLst>
+  </p:timing>
+</p:sld>
+</file>
+
+<file path=ppt/slides/slide14.xml><?xml version="1.0" encoding="utf-8"?>
 <p:sld xmlns:a="http://schemas.openxmlformats.org/drawingml/2006/main" xmlns:r="http://schemas.openxmlformats.org/officeDocument/2006/relationships" xmlns:p="http://schemas.openxmlformats.org/presentationml/2006/main">
   <p:cSld>
     <p:spTree>
@@ -5108,115 +5209,6 @@
     <p:bldLst>
       <p:bldP spid="3" grpId="0" build="p"/>
     </p:bldLst>
-  </p:timing>
-</p:sld>
-</file>
-
-<file path=ppt/slides/slide14.xml><?xml version="1.0" encoding="utf-8"?>
-<p:sld xmlns:a="http://schemas.openxmlformats.org/drawingml/2006/main" xmlns:r="http://schemas.openxmlformats.org/officeDocument/2006/relationships" xmlns:p="http://schemas.openxmlformats.org/presentationml/2006/main">
-  <p:cSld>
-    <p:spTree>
-      <p:nvGrpSpPr>
-        <p:cNvPr id="1" name=""/>
-        <p:cNvGrpSpPr/>
-        <p:nvPr/>
-      </p:nvGrpSpPr>
-      <p:grpSpPr>
-        <a:xfrm>
-          <a:off x="0" y="0"/>
-          <a:ext cx="0" cy="0"/>
-          <a:chOff x="0" y="0"/>
-          <a:chExt cx="0" cy="0"/>
-        </a:xfrm>
-      </p:grpSpPr>
-      <p:sp>
-        <p:nvSpPr>
-          <p:cNvPr id="2" name="Title 1"/>
-          <p:cNvSpPr>
-            <a:spLocks noGrp="1"/>
-          </p:cNvSpPr>
-          <p:nvPr>
-            <p:ph type="title"/>
-          </p:nvPr>
-        </p:nvSpPr>
-        <p:spPr/>
-        <p:txBody>
-          <a:bodyPr/>
-          <a:lstStyle/>
-          <a:p>
-            <a:r>
-              <a:rPr lang="en-US" dirty="0" smtClean="0"/>
-              <a:t>Introducing Model, View, Controller (MVC)</a:t>
-            </a:r>
-            <a:endParaRPr lang="en-US" dirty="0"/>
-          </a:p>
-        </p:txBody>
-      </p:sp>
-      <p:sp>
-        <p:nvSpPr>
-          <p:cNvPr id="3" name="Content Placeholder 2"/>
-          <p:cNvSpPr>
-            <a:spLocks noGrp="1"/>
-          </p:cNvSpPr>
-          <p:nvPr>
-            <p:ph sz="quarter" idx="10"/>
-          </p:nvPr>
-        </p:nvSpPr>
-        <p:spPr/>
-        <p:txBody>
-          <a:bodyPr/>
-          <a:lstStyle/>
-          <a:p>
-            <a:r>
-              <a:rPr lang="en-US" dirty="0" smtClean="0"/>
-              <a:t>MVC is a pattern</a:t>
-            </a:r>
-          </a:p>
-          <a:p>
-            <a:r>
-              <a:rPr lang="en-US" dirty="0" smtClean="0"/>
-              <a:t>Three basic parts</a:t>
-            </a:r>
-          </a:p>
-          <a:p>
-            <a:pPr lvl="1"/>
-            <a:r>
-              <a:rPr lang="en-US" dirty="0" smtClean="0"/>
-              <a:t>Model, which is your data</a:t>
-            </a:r>
-          </a:p>
-          <a:p>
-            <a:pPr lvl="1"/>
-            <a:r>
-              <a:rPr lang="en-US" dirty="0" smtClean="0"/>
-              <a:t>View, which is what the user will see</a:t>
-            </a:r>
-          </a:p>
-          <a:p>
-            <a:pPr lvl="1"/>
-            <a:r>
-              <a:rPr lang="en-US" dirty="0" smtClean="0"/>
-              <a:t>Controller, which takes the user request and gets the job done</a:t>
-            </a:r>
-          </a:p>
-        </p:txBody>
-      </p:sp>
-    </p:spTree>
-    <p:extLst>
-      <p:ext uri="{BB962C8B-B14F-4D97-AF65-F5344CB8AC3E}">
-        <p14:creationId xmlns:p14="http://schemas.microsoft.com/office/powerpoint/2010/main" val="4205139475"/>
-      </p:ext>
-    </p:extLst>
-  </p:cSld>
-  <p:clrMapOvr>
-    <a:masterClrMapping/>
-  </p:clrMapOvr>
-  <p:timing>
-    <p:tnLst>
-      <p:par>
-        <p:cTn id="1" dur="indefinite" restart="never" nodeType="tmRoot"/>
-      </p:par>
-    </p:tnLst>
   </p:timing>
 </p:sld>
 </file>
@@ -7715,11 +7707,11 @@
   <p:clrMapOvr>
     <a:masterClrMapping/>
   </p:clrMapOvr>
-  <mc:AlternateContent xmlns:mc="http://schemas.openxmlformats.org/markup-compatibility/2006">
-    <mc:Choice xmlns:p14="http://schemas.microsoft.com/office/powerpoint/2010/main" Requires="p14">
+  <mc:AlternateContent xmlns:mc="http://schemas.openxmlformats.org/markup-compatibility/2006" xmlns:p14="http://schemas.microsoft.com/office/powerpoint/2010/main">
+    <mc:Choice Requires="p14">
       <p:transition spd="slow" p14:dur="2000"/>
     </mc:Choice>
-    <mc:Fallback>
+    <mc:Fallback xmlns="">
       <p:transition spd="slow"/>
     </mc:Fallback>
   </mc:AlternateContent>
@@ -10374,15 +10366,7 @@
             </a:pPr>
             <a:r>
               <a:rPr lang="en-US" dirty="0" smtClean="0"/>
-              <a:t>Focused on </a:t>
-            </a:r>
-            <a:r>
-              <a:rPr lang="en-US" dirty="0" smtClean="0"/>
-              <a:t>web </a:t>
-            </a:r>
-            <a:r>
-              <a:rPr lang="en-US" dirty="0" smtClean="0"/>
-              <a:t>development</a:t>
+              <a:t>Focused on web development</a:t>
             </a:r>
           </a:p>
           <a:p>
@@ -10580,14 +10564,14 @@
                 <a:gridCol w="5762625">
                   <a:extLst>
                     <a:ext uri="{9D8B030D-6E8A-4147-A177-3AD203B41FA5}">
-                      <a16:colId xmlns="" xmlns:a16="http://schemas.microsoft.com/office/drawing/2014/main" val="1632794655"/>
+                      <a16:colId xmlns:a16="http://schemas.microsoft.com/office/drawing/2014/main" xmlns="" val="1632794655"/>
                     </a:ext>
                   </a:extLst>
                 </a:gridCol>
                 <a:gridCol w="5762625">
                   <a:extLst>
                     <a:ext uri="{9D8B030D-6E8A-4147-A177-3AD203B41FA5}">
-                      <a16:colId xmlns="" xmlns:a16="http://schemas.microsoft.com/office/drawing/2014/main" val="2011313899"/>
+                      <a16:colId xmlns:a16="http://schemas.microsoft.com/office/drawing/2014/main" xmlns="" val="2011313899"/>
                     </a:ext>
                   </a:extLst>
                 </a:gridCol>
@@ -10622,7 +10606,7 @@
                 </a:tc>
                 <a:extLst>
                   <a:ext uri="{0D108BD9-81ED-4DB2-BD59-A6C34878D82A}">
-                    <a16:rowId xmlns="" xmlns:a16="http://schemas.microsoft.com/office/drawing/2014/main" val="1789177411"/>
+                    <a16:rowId xmlns:a16="http://schemas.microsoft.com/office/drawing/2014/main" xmlns="" val="1789177411"/>
                   </a:ext>
                 </a:extLst>
               </a:tr>
@@ -10637,14 +10621,7 @@
                           <a:latin typeface="Segoe UI Light" panose="020B0502040204020203" pitchFamily="34" charset="0"/>
                           <a:cs typeface="Segoe UI Light" panose="020B0502040204020203" pitchFamily="34" charset="0"/>
                         </a:rPr>
-                        <a:t>01 | </a:t>
-                      </a:r>
-                      <a:r>
-                        <a:rPr lang="en-US" sz="2400" dirty="0" smtClean="0">
-                          <a:latin typeface="Segoe UI Light" panose="020B0502040204020203" pitchFamily="34" charset="0"/>
-                          <a:cs typeface="Segoe UI Light" panose="020B0502040204020203" pitchFamily="34" charset="0"/>
-                        </a:rPr>
-                        <a:t>Introduction to Django</a:t>
+                        <a:t>01 | Introduction to Django</a:t>
                       </a:r>
                       <a:endParaRPr lang="en-US" sz="2400" dirty="0">
                         <a:latin typeface="Segoe UI Light" panose="020B0502040204020203" pitchFamily="34" charset="0"/>
@@ -10664,14 +10641,7 @@
                           <a:latin typeface="Segoe UI Light" panose="020B0502040204020203" pitchFamily="34" charset="0"/>
                           <a:cs typeface="Segoe UI Light" panose="020B0502040204020203" pitchFamily="34" charset="0"/>
                         </a:rPr>
-                        <a:t>04 | </a:t>
-                      </a:r>
-                      <a:r>
-                        <a:rPr lang="en-US" sz="2400" dirty="0" smtClean="0">
-                          <a:latin typeface="Segoe UI Light" panose="020B0502040204020203" pitchFamily="34" charset="0"/>
-                          <a:cs typeface="Segoe UI Light" panose="020B0502040204020203" pitchFamily="34" charset="0"/>
-                        </a:rPr>
-                        <a:t>URLs and routing</a:t>
+                        <a:t>04 | URLs and routing</a:t>
                       </a:r>
                       <a:endParaRPr lang="en-US" sz="2400" dirty="0">
                         <a:latin typeface="Segoe UI Light" panose="020B0502040204020203" pitchFamily="34" charset="0"/>
@@ -10683,7 +10653,7 @@
                 </a:tc>
                 <a:extLst>
                   <a:ext uri="{0D108BD9-81ED-4DB2-BD59-A6C34878D82A}">
-                    <a16:rowId xmlns="" xmlns:a16="http://schemas.microsoft.com/office/drawing/2014/main" val="3842815335"/>
+                    <a16:rowId xmlns:a16="http://schemas.microsoft.com/office/drawing/2014/main" xmlns="" val="3842815335"/>
                   </a:ext>
                 </a:extLst>
               </a:tr>
@@ -10698,14 +10668,7 @@
                           <a:latin typeface="Segoe UI Light" panose="020B0502040204020203" pitchFamily="34" charset="0"/>
                           <a:cs typeface="Segoe UI Light" panose="020B0502040204020203" pitchFamily="34" charset="0"/>
                         </a:rPr>
-                        <a:t>02 | </a:t>
-                      </a:r>
-                      <a:r>
-                        <a:rPr lang="en-US" sz="2400" dirty="0" smtClean="0">
-                          <a:latin typeface="Segoe UI Light" panose="020B0502040204020203" pitchFamily="34" charset="0"/>
-                          <a:cs typeface="Segoe UI Light" panose="020B0502040204020203" pitchFamily="34" charset="0"/>
-                        </a:rPr>
-                        <a:t>Building models and databases</a:t>
+                        <a:t>02 | Building models and databases</a:t>
                       </a:r>
                       <a:endParaRPr lang="en-US" sz="2400" dirty="0">
                         <a:latin typeface="Segoe UI Light" panose="020B0502040204020203" pitchFamily="34" charset="0"/>
@@ -10725,14 +10688,7 @@
                           <a:latin typeface="Segoe UI Light" panose="020B0502040204020203" pitchFamily="34" charset="0"/>
                           <a:cs typeface="Segoe UI Light" panose="020B0502040204020203" pitchFamily="34" charset="0"/>
                         </a:rPr>
-                        <a:t>05 | </a:t>
-                      </a:r>
-                      <a:r>
-                        <a:rPr lang="en-US" sz="2400" dirty="0" smtClean="0">
-                          <a:latin typeface="Segoe UI Light" panose="020B0502040204020203" pitchFamily="34" charset="0"/>
-                          <a:cs typeface="Segoe UI Light" panose="020B0502040204020203" pitchFamily="34" charset="0"/>
-                        </a:rPr>
-                        <a:t>Layouts and forms</a:t>
+                        <a:t>05 | Layouts and forms</a:t>
                       </a:r>
                       <a:endParaRPr lang="en-US" sz="2400" dirty="0">
                         <a:latin typeface="Segoe UI Light" panose="020B0502040204020203" pitchFamily="34" charset="0"/>
@@ -10744,7 +10700,7 @@
                 </a:tc>
                 <a:extLst>
                   <a:ext uri="{0D108BD9-81ED-4DB2-BD59-A6C34878D82A}">
-                    <a16:rowId xmlns="" xmlns:a16="http://schemas.microsoft.com/office/drawing/2014/main" val="321066646"/>
+                    <a16:rowId xmlns:a16="http://schemas.microsoft.com/office/drawing/2014/main" xmlns="" val="321066646"/>
                   </a:ext>
                 </a:extLst>
               </a:tr>
@@ -10783,14 +10739,7 @@
                           <a:latin typeface="Segoe UI Light" panose="020B0502040204020203" pitchFamily="34" charset="0"/>
                           <a:cs typeface="Segoe UI Light" panose="020B0502040204020203" pitchFamily="34" charset="0"/>
                         </a:rPr>
-                        <a:t> | </a:t>
-                      </a:r>
-                      <a:r>
-                        <a:rPr lang="en-US" sz="2400" baseline="0" dirty="0" smtClean="0">
-                          <a:latin typeface="Segoe UI Light" panose="020B0502040204020203" pitchFamily="34" charset="0"/>
-                          <a:cs typeface="Segoe UI Light" panose="020B0502040204020203" pitchFamily="34" charset="0"/>
-                        </a:rPr>
-                        <a:t>Querying models</a:t>
+                        <a:t> | Querying models</a:t>
                       </a:r>
                       <a:endParaRPr lang="en-US" sz="2400" dirty="0" smtClean="0">
                         <a:latin typeface="Segoe UI Light" panose="020B0502040204020203" pitchFamily="34" charset="0"/>
@@ -10810,14 +10759,7 @@
                           <a:latin typeface="Segoe UI Light" panose="020B0502040204020203" pitchFamily="34" charset="0"/>
                           <a:cs typeface="Segoe UI Light" panose="020B0502040204020203" pitchFamily="34" charset="0"/>
                         </a:rPr>
-                        <a:t>06 | </a:t>
-                      </a:r>
-                      <a:r>
-                        <a:rPr lang="en-US" sz="2400" dirty="0" smtClean="0">
-                          <a:latin typeface="Segoe UI Light" panose="020B0502040204020203" pitchFamily="34" charset="0"/>
-                          <a:cs typeface="Segoe UI Light" panose="020B0502040204020203" pitchFamily="34" charset="0"/>
-                        </a:rPr>
-                        <a:t>Deployment</a:t>
+                        <a:t>06 | Deployment</a:t>
                       </a:r>
                       <a:r>
                         <a:rPr lang="en-US" sz="2400" baseline="0" dirty="0" smtClean="0">
@@ -10836,7 +10778,7 @@
                 </a:tc>
                 <a:extLst>
                   <a:ext uri="{0D108BD9-81ED-4DB2-BD59-A6C34878D82A}">
-                    <a16:rowId xmlns="" xmlns:a16="http://schemas.microsoft.com/office/drawing/2014/main" val="3812060533"/>
+                    <a16:rowId xmlns:a16="http://schemas.microsoft.com/office/drawing/2014/main" xmlns="" val="3812060533"/>
                   </a:ext>
                 </a:extLst>
               </a:tr>
@@ -10939,7 +10881,6 @@
               <a:rPr lang="en-US" dirty="0" smtClean="0"/>
               <a:t>Python developers learning web development</a:t>
             </a:r>
-            <a:endParaRPr lang="en-US" dirty="0" smtClean="0"/>
           </a:p>
           <a:p>
             <a:pPr lvl="1"/>
@@ -10947,7 +10888,6 @@
               <a:rPr lang="en-US" dirty="0" smtClean="0"/>
               <a:t>Web developers familiar with other platforms</a:t>
             </a:r>
-            <a:endParaRPr lang="en-US" dirty="0" smtClean="0"/>
           </a:p>
           <a:p>
             <a:r>
@@ -10970,11 +10910,7 @@
             <a:pPr lvl="1"/>
             <a:r>
               <a:rPr lang="en-US" dirty="0" smtClean="0"/>
-              <a:t>MVC </a:t>
-            </a:r>
-            <a:r>
-              <a:rPr lang="en-US" dirty="0" smtClean="0"/>
-              <a:t>experience</a:t>
+              <a:t>MVC experience</a:t>
             </a:r>
           </a:p>
           <a:p>
@@ -10983,7 +10919,6 @@
               <a:rPr lang="en-US" dirty="0" smtClean="0"/>
               <a:t>Flask experience</a:t>
             </a:r>
-            <a:endParaRPr lang="en-US" dirty="0" smtClean="0"/>
           </a:p>
           <a:p>
             <a:pPr lvl="1"/>
@@ -11127,11 +11062,7 @@
             </a:r>
             <a:r>
               <a:rPr lang="en-US" dirty="0" smtClean="0"/>
-              <a:t>(expires </a:t>
-            </a:r>
-            <a:r>
-              <a:rPr lang="en-US" dirty="0" smtClean="0"/>
-              <a:t>July 20, 2015)</a:t>
+              <a:t>(expires July 20, 2015)</a:t>
             </a:r>
             <a:endParaRPr lang="en-US" dirty="0"/>
           </a:p>
@@ -11239,11 +11170,7 @@
             <a:pPr marL="914400" indent="-914400"/>
             <a:r>
               <a:rPr lang="en-US" dirty="0" smtClean="0"/>
-              <a:t>01 | </a:t>
-            </a:r>
-            <a:r>
-              <a:rPr lang="en-US" dirty="0" smtClean="0"/>
-              <a:t>Introduction to Django</a:t>
+              <a:t>01 | Introduction to Django</a:t>
             </a:r>
             <a:endParaRPr lang="en-US" dirty="0"/>
           </a:p>
@@ -11336,7 +11263,6 @@
               <a:rPr lang="en-GB" dirty="0" smtClean="0"/>
               <a:t>What is Django?</a:t>
             </a:r>
-            <a:endParaRPr lang="en-GB" dirty="0" smtClean="0"/>
           </a:p>
           <a:p>
             <a:r>
@@ -12283,6 +12209,15 @@
 </file>
 
 <file path=customXml/item1.xml><?xml version="1.0" encoding="utf-8"?>
+<?mso-contentType ?>
+<FormTemplates xmlns="http://schemas.microsoft.com/sharepoint/v3/contenttype/forms">
+  <Display>DocumentLibraryForm</Display>
+  <Edit>DocumentLibraryForm</Edit>
+  <New>DocumentLibraryForm</New>
+</FormTemplates>
+</file>
+
+<file path=customXml/item2.xml><?xml version="1.0" encoding="utf-8"?>
 <p:properties xmlns:p="http://schemas.microsoft.com/office/2006/metadata/properties" xmlns:xsi="http://www.w3.org/2001/XMLSchema-instance" xmlns:pc="http://schemas.microsoft.com/office/infopath/2007/PartnerControls">
   <documentManagement>
     <TaxCatchAll xmlns="230e9df3-be65-4c73-a93b-d1236ebd677e"/>
@@ -12293,15 +12228,6 @@
     </TaxKeywordTaxHTField>
   </documentManagement>
 </p:properties>
-</file>
-
-<file path=customXml/item2.xml><?xml version="1.0" encoding="utf-8"?>
-<?mso-contentType ?>
-<FormTemplates xmlns="http://schemas.microsoft.com/sharepoint/v3/contenttype/forms">
-  <Display>DocumentLibraryForm</Display>
-  <Edit>DocumentLibraryForm</Edit>
-  <New>DocumentLibraryForm</New>
-</FormTemplates>
 </file>
 
 <file path=customXml/item3.xml><?xml version="1.0" encoding="utf-8"?>
@@ -12487,6 +12413,14 @@
 </file>
 
 <file path=customXml/itemProps1.xml><?xml version="1.0" encoding="utf-8"?>
+<ds:datastoreItem xmlns:ds="http://schemas.openxmlformats.org/officeDocument/2006/customXml" ds:itemID="{B0CA13EC-1D3C-4D6F-8D1C-E8A452CFC79A}">
+  <ds:schemaRefs>
+    <ds:schemaRef ds:uri="http://schemas.microsoft.com/sharepoint/v3/contenttype/forms"/>
+  </ds:schemaRefs>
+</ds:datastoreItem>
+</file>
+
+<file path=customXml/itemProps2.xml><?xml version="1.0" encoding="utf-8"?>
 <ds:datastoreItem xmlns:ds="http://schemas.openxmlformats.org/officeDocument/2006/customXml" ds:itemID="{7025FDD9-4C58-4084-9F89-0E6ADD6FFF55}">
   <ds:schemaRefs>
     <ds:schemaRef ds:uri="230e9df3-be65-4c73-a93b-d1236ebd677e"/>
@@ -12500,14 +12434,6 @@
     <ds:schemaRef ds:uri="http://schemas.microsoft.com/sharepoint/v3"/>
     <ds:schemaRef ds:uri="http://schemas.microsoft.com/office/infopath/2007/PartnerControls"/>
     <ds:schemaRef ds:uri="http://purl.org/dc/dcmitype/"/>
-  </ds:schemaRefs>
-</ds:datastoreItem>
-</file>
-
-<file path=customXml/itemProps2.xml><?xml version="1.0" encoding="utf-8"?>
-<ds:datastoreItem xmlns:ds="http://schemas.openxmlformats.org/officeDocument/2006/customXml" ds:itemID="{B0CA13EC-1D3C-4D6F-8D1C-E8A452CFC79A}">
-  <ds:schemaRefs>
-    <ds:schemaRef ds:uri="http://schemas.microsoft.com/sharepoint/v3/contenttype/forms"/>
   </ds:schemaRefs>
 </ds:datastoreItem>
 </file>
